--- a/ppt 16-9/0589.我在这里赞美.pptx
+++ b/ppt 16-9/0589.我在这里赞美.pptx
@@ -129,7 +129,7 @@
           <p:cNvPr id="2" name="标题 1">
             <a:extLst>
               <a:ext uri="{FF2B5EF4-FFF2-40B4-BE49-F238E27FC236}">
-                <a16:creationId xmlns:a16="http://schemas.microsoft.com/office/drawing/2014/main" id="{E26B4CF1-800A-8C04-6FEA-4AF6615BA556}"/>
+                <a16:creationId xmlns:a16="http://schemas.microsoft.com/office/drawing/2014/main" id="{B7B55682-75FF-04D2-EBAA-955AC6F04829}"/>
               </a:ext>
             </a:extLst>
           </p:cNvPr>
@@ -166,7 +166,7 @@
           <p:cNvPr id="3" name="副标题 2">
             <a:extLst>
               <a:ext uri="{FF2B5EF4-FFF2-40B4-BE49-F238E27FC236}">
-                <a16:creationId xmlns:a16="http://schemas.microsoft.com/office/drawing/2014/main" id="{02348AFE-A3DA-5E24-D6E8-31F37479AFE3}"/>
+                <a16:creationId xmlns:a16="http://schemas.microsoft.com/office/drawing/2014/main" id="{69EE9364-7999-2FA2-757E-5AF4C919029E}"/>
               </a:ext>
             </a:extLst>
           </p:cNvPr>
@@ -236,7 +236,7 @@
           <p:cNvPr id="4" name="日期占位符 3">
             <a:extLst>
               <a:ext uri="{FF2B5EF4-FFF2-40B4-BE49-F238E27FC236}">
-                <a16:creationId xmlns:a16="http://schemas.microsoft.com/office/drawing/2014/main" id="{3481B247-EF2F-E8E2-52ED-68BE7D6E635B}"/>
+                <a16:creationId xmlns:a16="http://schemas.microsoft.com/office/drawing/2014/main" id="{4E1AEEFB-EF95-558D-DDDD-4B8D05AB8637}"/>
               </a:ext>
             </a:extLst>
           </p:cNvPr>
@@ -252,7 +252,7 @@
           <a:bodyPr/>
           <a:lstStyle/>
           <a:p>
-            <a:fld id="{6FAAAAAF-A1E6-4FF8-8627-C522B73485BD}" type="datetimeFigureOut">
+            <a:fld id="{43DCC5EB-394C-4D2C-85F5-8114C40FC086}" type="datetimeFigureOut">
               <a:rPr lang="zh-CN" altLang="en-US" smtClean="0"/>
               <a:t>2024/3/10</a:t>
             </a:fld>
@@ -265,7 +265,7 @@
           <p:cNvPr id="5" name="页脚占位符 4">
             <a:extLst>
               <a:ext uri="{FF2B5EF4-FFF2-40B4-BE49-F238E27FC236}">
-                <a16:creationId xmlns:a16="http://schemas.microsoft.com/office/drawing/2014/main" id="{445B466C-6FC6-4714-2807-078DA15E1EAE}"/>
+                <a16:creationId xmlns:a16="http://schemas.microsoft.com/office/drawing/2014/main" id="{8F7AF7F1-4CEA-8DBE-56F8-B128985CFFFE}"/>
               </a:ext>
             </a:extLst>
           </p:cNvPr>
@@ -290,7 +290,7 @@
           <p:cNvPr id="6" name="灯片编号占位符 5">
             <a:extLst>
               <a:ext uri="{FF2B5EF4-FFF2-40B4-BE49-F238E27FC236}">
-                <a16:creationId xmlns:a16="http://schemas.microsoft.com/office/drawing/2014/main" id="{1FB357A7-EC48-C0C8-62E6-52C2FE6CD572}"/>
+                <a16:creationId xmlns:a16="http://schemas.microsoft.com/office/drawing/2014/main" id="{B87EA81D-2227-7970-9B61-E8F8FB83A209}"/>
               </a:ext>
             </a:extLst>
           </p:cNvPr>
@@ -306,7 +306,7 @@
           <a:bodyPr/>
           <a:lstStyle/>
           <a:p>
-            <a:fld id="{9F0E5601-E2A7-4CA2-9B7B-F8FB3DF8860D}" type="slidenum">
+            <a:fld id="{BB9E34D9-80FC-4AD9-BD59-05A97070BE52}" type="slidenum">
               <a:rPr lang="zh-CN" altLang="en-US" smtClean="0"/>
               <a:t>‹#›</a:t>
             </a:fld>
@@ -317,7 +317,7 @@
     </p:spTree>
     <p:extLst>
       <p:ext uri="{BB962C8B-B14F-4D97-AF65-F5344CB8AC3E}">
-        <p14:creationId xmlns:p14="http://schemas.microsoft.com/office/powerpoint/2010/main" val="783960394"/>
+        <p14:creationId xmlns:p14="http://schemas.microsoft.com/office/powerpoint/2010/main" val="856597324"/>
       </p:ext>
     </p:extLst>
   </p:cSld>
@@ -349,7 +349,7 @@
           <p:cNvPr id="2" name="标题 1">
             <a:extLst>
               <a:ext uri="{FF2B5EF4-FFF2-40B4-BE49-F238E27FC236}">
-                <a16:creationId xmlns:a16="http://schemas.microsoft.com/office/drawing/2014/main" id="{CFD29D3B-C1FF-67C4-DCF9-229B4DD1E279}"/>
+                <a16:creationId xmlns:a16="http://schemas.microsoft.com/office/drawing/2014/main" id="{5297829F-F4CC-3E18-BC42-4E91A225B2B8}"/>
               </a:ext>
             </a:extLst>
           </p:cNvPr>
@@ -377,7 +377,7 @@
           <p:cNvPr id="3" name="竖排文字占位符 2">
             <a:extLst>
               <a:ext uri="{FF2B5EF4-FFF2-40B4-BE49-F238E27FC236}">
-                <a16:creationId xmlns:a16="http://schemas.microsoft.com/office/drawing/2014/main" id="{7D33B162-95A1-D81E-55F6-5301E322C0F5}"/>
+                <a16:creationId xmlns:a16="http://schemas.microsoft.com/office/drawing/2014/main" id="{BDD2DC04-5DA2-E7CB-D67C-73D48D68A163}"/>
               </a:ext>
             </a:extLst>
           </p:cNvPr>
@@ -434,7 +434,7 @@
           <p:cNvPr id="4" name="日期占位符 3">
             <a:extLst>
               <a:ext uri="{FF2B5EF4-FFF2-40B4-BE49-F238E27FC236}">
-                <a16:creationId xmlns:a16="http://schemas.microsoft.com/office/drawing/2014/main" id="{220F3027-6B69-FE97-D5E4-35430EDD6E37}"/>
+                <a16:creationId xmlns:a16="http://schemas.microsoft.com/office/drawing/2014/main" id="{AC5E6F25-B890-65C2-9F86-237A040C69F7}"/>
               </a:ext>
             </a:extLst>
           </p:cNvPr>
@@ -450,7 +450,7 @@
           <a:bodyPr/>
           <a:lstStyle/>
           <a:p>
-            <a:fld id="{6FAAAAAF-A1E6-4FF8-8627-C522B73485BD}" type="datetimeFigureOut">
+            <a:fld id="{43DCC5EB-394C-4D2C-85F5-8114C40FC086}" type="datetimeFigureOut">
               <a:rPr lang="zh-CN" altLang="en-US" smtClean="0"/>
               <a:t>2024/3/10</a:t>
             </a:fld>
@@ -463,7 +463,7 @@
           <p:cNvPr id="5" name="页脚占位符 4">
             <a:extLst>
               <a:ext uri="{FF2B5EF4-FFF2-40B4-BE49-F238E27FC236}">
-                <a16:creationId xmlns:a16="http://schemas.microsoft.com/office/drawing/2014/main" id="{5F729F20-15A7-4E8A-32DC-8D185967724A}"/>
+                <a16:creationId xmlns:a16="http://schemas.microsoft.com/office/drawing/2014/main" id="{FCE2A677-BE3D-1AE5-3A2E-C14F1E50F8EB}"/>
               </a:ext>
             </a:extLst>
           </p:cNvPr>
@@ -488,7 +488,7 @@
           <p:cNvPr id="6" name="灯片编号占位符 5">
             <a:extLst>
               <a:ext uri="{FF2B5EF4-FFF2-40B4-BE49-F238E27FC236}">
-                <a16:creationId xmlns:a16="http://schemas.microsoft.com/office/drawing/2014/main" id="{9460EEFA-25E3-BA20-C86D-6E18B8398889}"/>
+                <a16:creationId xmlns:a16="http://schemas.microsoft.com/office/drawing/2014/main" id="{B3671A79-37B2-2BB9-1BD3-2DA356AA9529}"/>
               </a:ext>
             </a:extLst>
           </p:cNvPr>
@@ -504,7 +504,7 @@
           <a:bodyPr/>
           <a:lstStyle/>
           <a:p>
-            <a:fld id="{9F0E5601-E2A7-4CA2-9B7B-F8FB3DF8860D}" type="slidenum">
+            <a:fld id="{BB9E34D9-80FC-4AD9-BD59-05A97070BE52}" type="slidenum">
               <a:rPr lang="zh-CN" altLang="en-US" smtClean="0"/>
               <a:t>‹#›</a:t>
             </a:fld>
@@ -515,7 +515,7 @@
     </p:spTree>
     <p:extLst>
       <p:ext uri="{BB962C8B-B14F-4D97-AF65-F5344CB8AC3E}">
-        <p14:creationId xmlns:p14="http://schemas.microsoft.com/office/powerpoint/2010/main" val="1670425004"/>
+        <p14:creationId xmlns:p14="http://schemas.microsoft.com/office/powerpoint/2010/main" val="751630932"/>
       </p:ext>
     </p:extLst>
   </p:cSld>
@@ -547,7 +547,7 @@
           <p:cNvPr id="2" name="竖排标题 1">
             <a:extLst>
               <a:ext uri="{FF2B5EF4-FFF2-40B4-BE49-F238E27FC236}">
-                <a16:creationId xmlns:a16="http://schemas.microsoft.com/office/drawing/2014/main" id="{C27D0981-4C61-52D4-F92C-FFE07DE1C352}"/>
+                <a16:creationId xmlns:a16="http://schemas.microsoft.com/office/drawing/2014/main" id="{F644E280-05C5-8931-5DD6-E5CF09A45F02}"/>
               </a:ext>
             </a:extLst>
           </p:cNvPr>
@@ -580,7 +580,7 @@
           <p:cNvPr id="3" name="竖排文字占位符 2">
             <a:extLst>
               <a:ext uri="{FF2B5EF4-FFF2-40B4-BE49-F238E27FC236}">
-                <a16:creationId xmlns:a16="http://schemas.microsoft.com/office/drawing/2014/main" id="{42F990A8-94DF-B3A5-2F27-68B5EB2654F7}"/>
+                <a16:creationId xmlns:a16="http://schemas.microsoft.com/office/drawing/2014/main" id="{647B8CD3-3F04-9F52-8074-405C0F20D9CD}"/>
               </a:ext>
             </a:extLst>
           </p:cNvPr>
@@ -642,7 +642,7 @@
           <p:cNvPr id="4" name="日期占位符 3">
             <a:extLst>
               <a:ext uri="{FF2B5EF4-FFF2-40B4-BE49-F238E27FC236}">
-                <a16:creationId xmlns:a16="http://schemas.microsoft.com/office/drawing/2014/main" id="{42309C23-2C4E-6F93-B95C-DB92AF8EAC17}"/>
+                <a16:creationId xmlns:a16="http://schemas.microsoft.com/office/drawing/2014/main" id="{A6B9C69B-5540-1C28-EFDA-59CB3646C98A}"/>
               </a:ext>
             </a:extLst>
           </p:cNvPr>
@@ -658,7 +658,7 @@
           <a:bodyPr/>
           <a:lstStyle/>
           <a:p>
-            <a:fld id="{6FAAAAAF-A1E6-4FF8-8627-C522B73485BD}" type="datetimeFigureOut">
+            <a:fld id="{43DCC5EB-394C-4D2C-85F5-8114C40FC086}" type="datetimeFigureOut">
               <a:rPr lang="zh-CN" altLang="en-US" smtClean="0"/>
               <a:t>2024/3/10</a:t>
             </a:fld>
@@ -671,7 +671,7 @@
           <p:cNvPr id="5" name="页脚占位符 4">
             <a:extLst>
               <a:ext uri="{FF2B5EF4-FFF2-40B4-BE49-F238E27FC236}">
-                <a16:creationId xmlns:a16="http://schemas.microsoft.com/office/drawing/2014/main" id="{648E01F7-1CC2-9BED-EB2D-D30B5629E07C}"/>
+                <a16:creationId xmlns:a16="http://schemas.microsoft.com/office/drawing/2014/main" id="{4B57C51A-B9C9-F671-A3BB-BD0341379E20}"/>
               </a:ext>
             </a:extLst>
           </p:cNvPr>
@@ -696,7 +696,7 @@
           <p:cNvPr id="6" name="灯片编号占位符 5">
             <a:extLst>
               <a:ext uri="{FF2B5EF4-FFF2-40B4-BE49-F238E27FC236}">
-                <a16:creationId xmlns:a16="http://schemas.microsoft.com/office/drawing/2014/main" id="{CBE2CE32-ED30-ADFA-03C7-66D173D8CEA0}"/>
+                <a16:creationId xmlns:a16="http://schemas.microsoft.com/office/drawing/2014/main" id="{5C5A5144-796A-ED26-49B8-C8D1A0976B34}"/>
               </a:ext>
             </a:extLst>
           </p:cNvPr>
@@ -712,7 +712,7 @@
           <a:bodyPr/>
           <a:lstStyle/>
           <a:p>
-            <a:fld id="{9F0E5601-E2A7-4CA2-9B7B-F8FB3DF8860D}" type="slidenum">
+            <a:fld id="{BB9E34D9-80FC-4AD9-BD59-05A97070BE52}" type="slidenum">
               <a:rPr lang="zh-CN" altLang="en-US" smtClean="0"/>
               <a:t>‹#›</a:t>
             </a:fld>
@@ -723,7 +723,7 @@
     </p:spTree>
     <p:extLst>
       <p:ext uri="{BB962C8B-B14F-4D97-AF65-F5344CB8AC3E}">
-        <p14:creationId xmlns:p14="http://schemas.microsoft.com/office/powerpoint/2010/main" val="3967290829"/>
+        <p14:creationId xmlns:p14="http://schemas.microsoft.com/office/powerpoint/2010/main" val="808610061"/>
       </p:ext>
     </p:extLst>
   </p:cSld>
@@ -755,7 +755,7 @@
           <p:cNvPr id="2" name="标题 1">
             <a:extLst>
               <a:ext uri="{FF2B5EF4-FFF2-40B4-BE49-F238E27FC236}">
-                <a16:creationId xmlns:a16="http://schemas.microsoft.com/office/drawing/2014/main" id="{6CA117FD-D691-FC21-DF1B-DA0570BEFDBE}"/>
+                <a16:creationId xmlns:a16="http://schemas.microsoft.com/office/drawing/2014/main" id="{1506B1D7-32BD-D15E-178A-1F80083909A4}"/>
               </a:ext>
             </a:extLst>
           </p:cNvPr>
@@ -783,7 +783,7 @@
           <p:cNvPr id="3" name="内容占位符 2">
             <a:extLst>
               <a:ext uri="{FF2B5EF4-FFF2-40B4-BE49-F238E27FC236}">
-                <a16:creationId xmlns:a16="http://schemas.microsoft.com/office/drawing/2014/main" id="{F8CA1D4B-8A8B-6F03-A5B9-8FEC3A8EEA63}"/>
+                <a16:creationId xmlns:a16="http://schemas.microsoft.com/office/drawing/2014/main" id="{CB5CD563-B708-2C39-4E19-84C8AFE42AC5}"/>
               </a:ext>
             </a:extLst>
           </p:cNvPr>
@@ -840,7 +840,7 @@
           <p:cNvPr id="4" name="日期占位符 3">
             <a:extLst>
               <a:ext uri="{FF2B5EF4-FFF2-40B4-BE49-F238E27FC236}">
-                <a16:creationId xmlns:a16="http://schemas.microsoft.com/office/drawing/2014/main" id="{FB2B4957-F141-2792-8BC2-6EEE4C43712C}"/>
+                <a16:creationId xmlns:a16="http://schemas.microsoft.com/office/drawing/2014/main" id="{6D8DE9B8-AE1F-9E2B-E17F-E002199FA1D2}"/>
               </a:ext>
             </a:extLst>
           </p:cNvPr>
@@ -856,7 +856,7 @@
           <a:bodyPr/>
           <a:lstStyle/>
           <a:p>
-            <a:fld id="{6FAAAAAF-A1E6-4FF8-8627-C522B73485BD}" type="datetimeFigureOut">
+            <a:fld id="{43DCC5EB-394C-4D2C-85F5-8114C40FC086}" type="datetimeFigureOut">
               <a:rPr lang="zh-CN" altLang="en-US" smtClean="0"/>
               <a:t>2024/3/10</a:t>
             </a:fld>
@@ -869,7 +869,7 @@
           <p:cNvPr id="5" name="页脚占位符 4">
             <a:extLst>
               <a:ext uri="{FF2B5EF4-FFF2-40B4-BE49-F238E27FC236}">
-                <a16:creationId xmlns:a16="http://schemas.microsoft.com/office/drawing/2014/main" id="{31D5AA72-6D19-6F73-88A6-6F672B37E5F1}"/>
+                <a16:creationId xmlns:a16="http://schemas.microsoft.com/office/drawing/2014/main" id="{D97ECE18-1753-2431-33EE-113F67051C12}"/>
               </a:ext>
             </a:extLst>
           </p:cNvPr>
@@ -894,7 +894,7 @@
           <p:cNvPr id="6" name="灯片编号占位符 5">
             <a:extLst>
               <a:ext uri="{FF2B5EF4-FFF2-40B4-BE49-F238E27FC236}">
-                <a16:creationId xmlns:a16="http://schemas.microsoft.com/office/drawing/2014/main" id="{FCB88FD5-C01F-7631-C625-13310976EE0B}"/>
+                <a16:creationId xmlns:a16="http://schemas.microsoft.com/office/drawing/2014/main" id="{6586E080-22DD-AC06-C375-EB9E245316C5}"/>
               </a:ext>
             </a:extLst>
           </p:cNvPr>
@@ -910,7 +910,7 @@
           <a:bodyPr/>
           <a:lstStyle/>
           <a:p>
-            <a:fld id="{9F0E5601-E2A7-4CA2-9B7B-F8FB3DF8860D}" type="slidenum">
+            <a:fld id="{BB9E34D9-80FC-4AD9-BD59-05A97070BE52}" type="slidenum">
               <a:rPr lang="zh-CN" altLang="en-US" smtClean="0"/>
               <a:t>‹#›</a:t>
             </a:fld>
@@ -921,7 +921,7 @@
     </p:spTree>
     <p:extLst>
       <p:ext uri="{BB962C8B-B14F-4D97-AF65-F5344CB8AC3E}">
-        <p14:creationId xmlns:p14="http://schemas.microsoft.com/office/powerpoint/2010/main" val="2154479230"/>
+        <p14:creationId xmlns:p14="http://schemas.microsoft.com/office/powerpoint/2010/main" val="3093131300"/>
       </p:ext>
     </p:extLst>
   </p:cSld>
@@ -953,7 +953,7 @@
           <p:cNvPr id="2" name="标题 1">
             <a:extLst>
               <a:ext uri="{FF2B5EF4-FFF2-40B4-BE49-F238E27FC236}">
-                <a16:creationId xmlns:a16="http://schemas.microsoft.com/office/drawing/2014/main" id="{4419BF87-C10A-1216-BDA8-B35AD9337658}"/>
+                <a16:creationId xmlns:a16="http://schemas.microsoft.com/office/drawing/2014/main" id="{12F1EC99-B7FF-8759-7BB6-47A1A15072CA}"/>
               </a:ext>
             </a:extLst>
           </p:cNvPr>
@@ -990,7 +990,7 @@
           <p:cNvPr id="3" name="文本占位符 2">
             <a:extLst>
               <a:ext uri="{FF2B5EF4-FFF2-40B4-BE49-F238E27FC236}">
-                <a16:creationId xmlns:a16="http://schemas.microsoft.com/office/drawing/2014/main" id="{478EEC13-0EBC-808A-93B0-6D52F7EECF82}"/>
+                <a16:creationId xmlns:a16="http://schemas.microsoft.com/office/drawing/2014/main" id="{AB349E92-5E2F-F647-4ED1-DA1E2D66D18C}"/>
               </a:ext>
             </a:extLst>
           </p:cNvPr>
@@ -1115,7 +1115,7 @@
           <p:cNvPr id="4" name="日期占位符 3">
             <a:extLst>
               <a:ext uri="{FF2B5EF4-FFF2-40B4-BE49-F238E27FC236}">
-                <a16:creationId xmlns:a16="http://schemas.microsoft.com/office/drawing/2014/main" id="{79674501-9778-4669-55EC-D41A239B1732}"/>
+                <a16:creationId xmlns:a16="http://schemas.microsoft.com/office/drawing/2014/main" id="{BE5CE581-F164-AC0A-1A8C-2EA5D10976E8}"/>
               </a:ext>
             </a:extLst>
           </p:cNvPr>
@@ -1131,7 +1131,7 @@
           <a:bodyPr/>
           <a:lstStyle/>
           <a:p>
-            <a:fld id="{6FAAAAAF-A1E6-4FF8-8627-C522B73485BD}" type="datetimeFigureOut">
+            <a:fld id="{43DCC5EB-394C-4D2C-85F5-8114C40FC086}" type="datetimeFigureOut">
               <a:rPr lang="zh-CN" altLang="en-US" smtClean="0"/>
               <a:t>2024/3/10</a:t>
             </a:fld>
@@ -1144,7 +1144,7 @@
           <p:cNvPr id="5" name="页脚占位符 4">
             <a:extLst>
               <a:ext uri="{FF2B5EF4-FFF2-40B4-BE49-F238E27FC236}">
-                <a16:creationId xmlns:a16="http://schemas.microsoft.com/office/drawing/2014/main" id="{B5105560-890F-FCB7-9756-3175B4C7410B}"/>
+                <a16:creationId xmlns:a16="http://schemas.microsoft.com/office/drawing/2014/main" id="{3DCFB3AB-AC69-9C34-9F78-F750B365BB12}"/>
               </a:ext>
             </a:extLst>
           </p:cNvPr>
@@ -1169,7 +1169,7 @@
           <p:cNvPr id="6" name="灯片编号占位符 5">
             <a:extLst>
               <a:ext uri="{FF2B5EF4-FFF2-40B4-BE49-F238E27FC236}">
-                <a16:creationId xmlns:a16="http://schemas.microsoft.com/office/drawing/2014/main" id="{1A084F46-C389-13FF-97F6-0B9EAA373B10}"/>
+                <a16:creationId xmlns:a16="http://schemas.microsoft.com/office/drawing/2014/main" id="{0638B7D3-7E12-9ED8-0068-37A8B75576CB}"/>
               </a:ext>
             </a:extLst>
           </p:cNvPr>
@@ -1185,7 +1185,7 @@
           <a:bodyPr/>
           <a:lstStyle/>
           <a:p>
-            <a:fld id="{9F0E5601-E2A7-4CA2-9B7B-F8FB3DF8860D}" type="slidenum">
+            <a:fld id="{BB9E34D9-80FC-4AD9-BD59-05A97070BE52}" type="slidenum">
               <a:rPr lang="zh-CN" altLang="en-US" smtClean="0"/>
               <a:t>‹#›</a:t>
             </a:fld>
@@ -1196,7 +1196,7 @@
     </p:spTree>
     <p:extLst>
       <p:ext uri="{BB962C8B-B14F-4D97-AF65-F5344CB8AC3E}">
-        <p14:creationId xmlns:p14="http://schemas.microsoft.com/office/powerpoint/2010/main" val="4050276703"/>
+        <p14:creationId xmlns:p14="http://schemas.microsoft.com/office/powerpoint/2010/main" val="3872703802"/>
       </p:ext>
     </p:extLst>
   </p:cSld>
@@ -1228,7 +1228,7 @@
           <p:cNvPr id="2" name="标题 1">
             <a:extLst>
               <a:ext uri="{FF2B5EF4-FFF2-40B4-BE49-F238E27FC236}">
-                <a16:creationId xmlns:a16="http://schemas.microsoft.com/office/drawing/2014/main" id="{F0A8919C-8907-51AD-CCD3-C603C66DB377}"/>
+                <a16:creationId xmlns:a16="http://schemas.microsoft.com/office/drawing/2014/main" id="{E877FA36-696D-1A85-5D0C-ED0A36E8DAB0}"/>
               </a:ext>
             </a:extLst>
           </p:cNvPr>
@@ -1256,7 +1256,7 @@
           <p:cNvPr id="3" name="内容占位符 2">
             <a:extLst>
               <a:ext uri="{FF2B5EF4-FFF2-40B4-BE49-F238E27FC236}">
-                <a16:creationId xmlns:a16="http://schemas.microsoft.com/office/drawing/2014/main" id="{EF3931F0-E8C6-DDA0-A62B-9D2517499778}"/>
+                <a16:creationId xmlns:a16="http://schemas.microsoft.com/office/drawing/2014/main" id="{421BB5F1-4D13-EA25-FFA0-DBDA9A478739}"/>
               </a:ext>
             </a:extLst>
           </p:cNvPr>
@@ -1318,7 +1318,7 @@
           <p:cNvPr id="4" name="内容占位符 3">
             <a:extLst>
               <a:ext uri="{FF2B5EF4-FFF2-40B4-BE49-F238E27FC236}">
-                <a16:creationId xmlns:a16="http://schemas.microsoft.com/office/drawing/2014/main" id="{57D97775-E53D-28A9-1734-8B28D9488B30}"/>
+                <a16:creationId xmlns:a16="http://schemas.microsoft.com/office/drawing/2014/main" id="{CFE83800-DDCF-D68A-279A-7D71DE1CC1DE}"/>
               </a:ext>
             </a:extLst>
           </p:cNvPr>
@@ -1380,7 +1380,7 @@
           <p:cNvPr id="5" name="日期占位符 4">
             <a:extLst>
               <a:ext uri="{FF2B5EF4-FFF2-40B4-BE49-F238E27FC236}">
-                <a16:creationId xmlns:a16="http://schemas.microsoft.com/office/drawing/2014/main" id="{35D82AF3-1AEA-5544-8957-041F8DA6BDC4}"/>
+                <a16:creationId xmlns:a16="http://schemas.microsoft.com/office/drawing/2014/main" id="{632BF5DA-F36F-DE62-2080-169674C1F0C4}"/>
               </a:ext>
             </a:extLst>
           </p:cNvPr>
@@ -1396,7 +1396,7 @@
           <a:bodyPr/>
           <a:lstStyle/>
           <a:p>
-            <a:fld id="{6FAAAAAF-A1E6-4FF8-8627-C522B73485BD}" type="datetimeFigureOut">
+            <a:fld id="{43DCC5EB-394C-4D2C-85F5-8114C40FC086}" type="datetimeFigureOut">
               <a:rPr lang="zh-CN" altLang="en-US" smtClean="0"/>
               <a:t>2024/3/10</a:t>
             </a:fld>
@@ -1409,7 +1409,7 @@
           <p:cNvPr id="6" name="页脚占位符 5">
             <a:extLst>
               <a:ext uri="{FF2B5EF4-FFF2-40B4-BE49-F238E27FC236}">
-                <a16:creationId xmlns:a16="http://schemas.microsoft.com/office/drawing/2014/main" id="{1E69B319-3766-7E41-03A0-82175BDE6F9C}"/>
+                <a16:creationId xmlns:a16="http://schemas.microsoft.com/office/drawing/2014/main" id="{F850B442-AFDD-57A1-3ED3-EB50A3614212}"/>
               </a:ext>
             </a:extLst>
           </p:cNvPr>
@@ -1434,7 +1434,7 @@
           <p:cNvPr id="7" name="灯片编号占位符 6">
             <a:extLst>
               <a:ext uri="{FF2B5EF4-FFF2-40B4-BE49-F238E27FC236}">
-                <a16:creationId xmlns:a16="http://schemas.microsoft.com/office/drawing/2014/main" id="{E24D48F3-94FC-5A7C-ADCE-5C8AAFA1A78C}"/>
+                <a16:creationId xmlns:a16="http://schemas.microsoft.com/office/drawing/2014/main" id="{66A2EED5-A294-9D6C-1143-7B5A8FE5836C}"/>
               </a:ext>
             </a:extLst>
           </p:cNvPr>
@@ -1450,7 +1450,7 @@
           <a:bodyPr/>
           <a:lstStyle/>
           <a:p>
-            <a:fld id="{9F0E5601-E2A7-4CA2-9B7B-F8FB3DF8860D}" type="slidenum">
+            <a:fld id="{BB9E34D9-80FC-4AD9-BD59-05A97070BE52}" type="slidenum">
               <a:rPr lang="zh-CN" altLang="en-US" smtClean="0"/>
               <a:t>‹#›</a:t>
             </a:fld>
@@ -1461,7 +1461,7 @@
     </p:spTree>
     <p:extLst>
       <p:ext uri="{BB962C8B-B14F-4D97-AF65-F5344CB8AC3E}">
-        <p14:creationId xmlns:p14="http://schemas.microsoft.com/office/powerpoint/2010/main" val="3888041387"/>
+        <p14:creationId xmlns:p14="http://schemas.microsoft.com/office/powerpoint/2010/main" val="1544434025"/>
       </p:ext>
     </p:extLst>
   </p:cSld>
@@ -1493,7 +1493,7 @@
           <p:cNvPr id="2" name="标题 1">
             <a:extLst>
               <a:ext uri="{FF2B5EF4-FFF2-40B4-BE49-F238E27FC236}">
-                <a16:creationId xmlns:a16="http://schemas.microsoft.com/office/drawing/2014/main" id="{FB14F6C3-365E-46AB-CDB4-63B414E17479}"/>
+                <a16:creationId xmlns:a16="http://schemas.microsoft.com/office/drawing/2014/main" id="{1E6C90D5-6534-51A3-E7B7-EE084BD7692A}"/>
               </a:ext>
             </a:extLst>
           </p:cNvPr>
@@ -1526,7 +1526,7 @@
           <p:cNvPr id="3" name="文本占位符 2">
             <a:extLst>
               <a:ext uri="{FF2B5EF4-FFF2-40B4-BE49-F238E27FC236}">
-                <a16:creationId xmlns:a16="http://schemas.microsoft.com/office/drawing/2014/main" id="{ECA230D1-E5B0-06EE-96A0-23AAD3AD33B2}"/>
+                <a16:creationId xmlns:a16="http://schemas.microsoft.com/office/drawing/2014/main" id="{F1CAF85D-8B46-EA8B-4B7E-5135D93C6BDE}"/>
               </a:ext>
             </a:extLst>
           </p:cNvPr>
@@ -1597,7 +1597,7 @@
           <p:cNvPr id="4" name="内容占位符 3">
             <a:extLst>
               <a:ext uri="{FF2B5EF4-FFF2-40B4-BE49-F238E27FC236}">
-                <a16:creationId xmlns:a16="http://schemas.microsoft.com/office/drawing/2014/main" id="{5361AE9F-C2E8-3150-A323-94C7A88206FE}"/>
+                <a16:creationId xmlns:a16="http://schemas.microsoft.com/office/drawing/2014/main" id="{F843660E-5B34-5260-CBC6-2F2DB80C2504}"/>
               </a:ext>
             </a:extLst>
           </p:cNvPr>
@@ -1659,7 +1659,7 @@
           <p:cNvPr id="5" name="文本占位符 4">
             <a:extLst>
               <a:ext uri="{FF2B5EF4-FFF2-40B4-BE49-F238E27FC236}">
-                <a16:creationId xmlns:a16="http://schemas.microsoft.com/office/drawing/2014/main" id="{31FED94F-68F1-539A-FA10-0805C60D2ECA}"/>
+                <a16:creationId xmlns:a16="http://schemas.microsoft.com/office/drawing/2014/main" id="{EE6CFD56-B96F-9AE0-BDCA-24F01BBFAB18}"/>
               </a:ext>
             </a:extLst>
           </p:cNvPr>
@@ -1730,7 +1730,7 @@
           <p:cNvPr id="6" name="内容占位符 5">
             <a:extLst>
               <a:ext uri="{FF2B5EF4-FFF2-40B4-BE49-F238E27FC236}">
-                <a16:creationId xmlns:a16="http://schemas.microsoft.com/office/drawing/2014/main" id="{C5F87E37-C456-8B02-9427-9C3C4BBA3211}"/>
+                <a16:creationId xmlns:a16="http://schemas.microsoft.com/office/drawing/2014/main" id="{687FB485-1E3C-D5EA-8161-ED0ABAED1355}"/>
               </a:ext>
             </a:extLst>
           </p:cNvPr>
@@ -1792,7 +1792,7 @@
           <p:cNvPr id="7" name="日期占位符 6">
             <a:extLst>
               <a:ext uri="{FF2B5EF4-FFF2-40B4-BE49-F238E27FC236}">
-                <a16:creationId xmlns:a16="http://schemas.microsoft.com/office/drawing/2014/main" id="{27C7B028-EE9F-3765-511C-ADCFD55F77C4}"/>
+                <a16:creationId xmlns:a16="http://schemas.microsoft.com/office/drawing/2014/main" id="{79A656B9-B1E7-4D5F-EAC0-F44506DC21F1}"/>
               </a:ext>
             </a:extLst>
           </p:cNvPr>
@@ -1808,7 +1808,7 @@
           <a:bodyPr/>
           <a:lstStyle/>
           <a:p>
-            <a:fld id="{6FAAAAAF-A1E6-4FF8-8627-C522B73485BD}" type="datetimeFigureOut">
+            <a:fld id="{43DCC5EB-394C-4D2C-85F5-8114C40FC086}" type="datetimeFigureOut">
               <a:rPr lang="zh-CN" altLang="en-US" smtClean="0"/>
               <a:t>2024/3/10</a:t>
             </a:fld>
@@ -1821,7 +1821,7 @@
           <p:cNvPr id="8" name="页脚占位符 7">
             <a:extLst>
               <a:ext uri="{FF2B5EF4-FFF2-40B4-BE49-F238E27FC236}">
-                <a16:creationId xmlns:a16="http://schemas.microsoft.com/office/drawing/2014/main" id="{5A4B3B89-0D21-8370-B4EE-238DE22E9AF7}"/>
+                <a16:creationId xmlns:a16="http://schemas.microsoft.com/office/drawing/2014/main" id="{A35F1C75-B23F-8286-97DF-B756D431C5B7}"/>
               </a:ext>
             </a:extLst>
           </p:cNvPr>
@@ -1846,7 +1846,7 @@
           <p:cNvPr id="9" name="灯片编号占位符 8">
             <a:extLst>
               <a:ext uri="{FF2B5EF4-FFF2-40B4-BE49-F238E27FC236}">
-                <a16:creationId xmlns:a16="http://schemas.microsoft.com/office/drawing/2014/main" id="{9AB7FB3B-C7A8-CA74-322C-C5D3B869DC68}"/>
+                <a16:creationId xmlns:a16="http://schemas.microsoft.com/office/drawing/2014/main" id="{B3F92503-D497-8E70-4C7F-68D3F3FB52C1}"/>
               </a:ext>
             </a:extLst>
           </p:cNvPr>
@@ -1862,7 +1862,7 @@
           <a:bodyPr/>
           <a:lstStyle/>
           <a:p>
-            <a:fld id="{9F0E5601-E2A7-4CA2-9B7B-F8FB3DF8860D}" type="slidenum">
+            <a:fld id="{BB9E34D9-80FC-4AD9-BD59-05A97070BE52}" type="slidenum">
               <a:rPr lang="zh-CN" altLang="en-US" smtClean="0"/>
               <a:t>‹#›</a:t>
             </a:fld>
@@ -1873,7 +1873,7 @@
     </p:spTree>
     <p:extLst>
       <p:ext uri="{BB962C8B-B14F-4D97-AF65-F5344CB8AC3E}">
-        <p14:creationId xmlns:p14="http://schemas.microsoft.com/office/powerpoint/2010/main" val="2535812646"/>
+        <p14:creationId xmlns:p14="http://schemas.microsoft.com/office/powerpoint/2010/main" val="3707132584"/>
       </p:ext>
     </p:extLst>
   </p:cSld>
@@ -1905,7 +1905,7 @@
           <p:cNvPr id="2" name="标题 1">
             <a:extLst>
               <a:ext uri="{FF2B5EF4-FFF2-40B4-BE49-F238E27FC236}">
-                <a16:creationId xmlns:a16="http://schemas.microsoft.com/office/drawing/2014/main" id="{BD431ECF-B46B-FBA4-7CB1-74D50B3BD095}"/>
+                <a16:creationId xmlns:a16="http://schemas.microsoft.com/office/drawing/2014/main" id="{114A597F-2A54-4568-6F8B-837F044F9C53}"/>
               </a:ext>
             </a:extLst>
           </p:cNvPr>
@@ -1933,7 +1933,7 @@
           <p:cNvPr id="3" name="日期占位符 2">
             <a:extLst>
               <a:ext uri="{FF2B5EF4-FFF2-40B4-BE49-F238E27FC236}">
-                <a16:creationId xmlns:a16="http://schemas.microsoft.com/office/drawing/2014/main" id="{49F8E81C-E033-C80C-DC42-3D5ED7C8D63E}"/>
+                <a16:creationId xmlns:a16="http://schemas.microsoft.com/office/drawing/2014/main" id="{BE99BFEE-42F2-8719-F3C6-95DD8A8DE9E7}"/>
               </a:ext>
             </a:extLst>
           </p:cNvPr>
@@ -1949,7 +1949,7 @@
           <a:bodyPr/>
           <a:lstStyle/>
           <a:p>
-            <a:fld id="{6FAAAAAF-A1E6-4FF8-8627-C522B73485BD}" type="datetimeFigureOut">
+            <a:fld id="{43DCC5EB-394C-4D2C-85F5-8114C40FC086}" type="datetimeFigureOut">
               <a:rPr lang="zh-CN" altLang="en-US" smtClean="0"/>
               <a:t>2024/3/10</a:t>
             </a:fld>
@@ -1962,7 +1962,7 @@
           <p:cNvPr id="4" name="页脚占位符 3">
             <a:extLst>
               <a:ext uri="{FF2B5EF4-FFF2-40B4-BE49-F238E27FC236}">
-                <a16:creationId xmlns:a16="http://schemas.microsoft.com/office/drawing/2014/main" id="{9D8F3630-892E-5965-BCDA-92F09CC97B9F}"/>
+                <a16:creationId xmlns:a16="http://schemas.microsoft.com/office/drawing/2014/main" id="{A91CB05D-7188-194C-3A54-E3E18A259F42}"/>
               </a:ext>
             </a:extLst>
           </p:cNvPr>
@@ -1987,7 +1987,7 @@
           <p:cNvPr id="5" name="灯片编号占位符 4">
             <a:extLst>
               <a:ext uri="{FF2B5EF4-FFF2-40B4-BE49-F238E27FC236}">
-                <a16:creationId xmlns:a16="http://schemas.microsoft.com/office/drawing/2014/main" id="{C45B60C0-5DBA-985A-0305-C363FC694551}"/>
+                <a16:creationId xmlns:a16="http://schemas.microsoft.com/office/drawing/2014/main" id="{928E80B1-14B5-8F82-0C26-1C6BBF761811}"/>
               </a:ext>
             </a:extLst>
           </p:cNvPr>
@@ -2003,7 +2003,7 @@
           <a:bodyPr/>
           <a:lstStyle/>
           <a:p>
-            <a:fld id="{9F0E5601-E2A7-4CA2-9B7B-F8FB3DF8860D}" type="slidenum">
+            <a:fld id="{BB9E34D9-80FC-4AD9-BD59-05A97070BE52}" type="slidenum">
               <a:rPr lang="zh-CN" altLang="en-US" smtClean="0"/>
               <a:t>‹#›</a:t>
             </a:fld>
@@ -2014,7 +2014,7 @@
     </p:spTree>
     <p:extLst>
       <p:ext uri="{BB962C8B-B14F-4D97-AF65-F5344CB8AC3E}">
-        <p14:creationId xmlns:p14="http://schemas.microsoft.com/office/powerpoint/2010/main" val="728348934"/>
+        <p14:creationId xmlns:p14="http://schemas.microsoft.com/office/powerpoint/2010/main" val="760640537"/>
       </p:ext>
     </p:extLst>
   </p:cSld>
@@ -2046,7 +2046,7 @@
           <p:cNvPr id="2" name="日期占位符 1">
             <a:extLst>
               <a:ext uri="{FF2B5EF4-FFF2-40B4-BE49-F238E27FC236}">
-                <a16:creationId xmlns:a16="http://schemas.microsoft.com/office/drawing/2014/main" id="{0C7E40A3-9DF9-8ED8-D34F-CB786E9C80B1}"/>
+                <a16:creationId xmlns:a16="http://schemas.microsoft.com/office/drawing/2014/main" id="{934CE047-8CB6-9FF4-9993-A0D56724E5D8}"/>
               </a:ext>
             </a:extLst>
           </p:cNvPr>
@@ -2062,7 +2062,7 @@
           <a:bodyPr/>
           <a:lstStyle/>
           <a:p>
-            <a:fld id="{6FAAAAAF-A1E6-4FF8-8627-C522B73485BD}" type="datetimeFigureOut">
+            <a:fld id="{43DCC5EB-394C-4D2C-85F5-8114C40FC086}" type="datetimeFigureOut">
               <a:rPr lang="zh-CN" altLang="en-US" smtClean="0"/>
               <a:t>2024/3/10</a:t>
             </a:fld>
@@ -2075,7 +2075,7 @@
           <p:cNvPr id="3" name="页脚占位符 2">
             <a:extLst>
               <a:ext uri="{FF2B5EF4-FFF2-40B4-BE49-F238E27FC236}">
-                <a16:creationId xmlns:a16="http://schemas.microsoft.com/office/drawing/2014/main" id="{101B3D8B-AD33-FABD-A866-498348CFD515}"/>
+                <a16:creationId xmlns:a16="http://schemas.microsoft.com/office/drawing/2014/main" id="{47176B9C-1C13-EBA9-C088-AD0651D0BF4C}"/>
               </a:ext>
             </a:extLst>
           </p:cNvPr>
@@ -2100,7 +2100,7 @@
           <p:cNvPr id="4" name="灯片编号占位符 3">
             <a:extLst>
               <a:ext uri="{FF2B5EF4-FFF2-40B4-BE49-F238E27FC236}">
-                <a16:creationId xmlns:a16="http://schemas.microsoft.com/office/drawing/2014/main" id="{FDC25E14-C66C-59B9-FDBE-7DDF837E30E1}"/>
+                <a16:creationId xmlns:a16="http://schemas.microsoft.com/office/drawing/2014/main" id="{DECFAE48-0B04-3312-F1A3-0EC33E4031DD}"/>
               </a:ext>
             </a:extLst>
           </p:cNvPr>
@@ -2116,7 +2116,7 @@
           <a:bodyPr/>
           <a:lstStyle/>
           <a:p>
-            <a:fld id="{9F0E5601-E2A7-4CA2-9B7B-F8FB3DF8860D}" type="slidenum">
+            <a:fld id="{BB9E34D9-80FC-4AD9-BD59-05A97070BE52}" type="slidenum">
               <a:rPr lang="zh-CN" altLang="en-US" smtClean="0"/>
               <a:t>‹#›</a:t>
             </a:fld>
@@ -2127,7 +2127,7 @@
     </p:spTree>
     <p:extLst>
       <p:ext uri="{BB962C8B-B14F-4D97-AF65-F5344CB8AC3E}">
-        <p14:creationId xmlns:p14="http://schemas.microsoft.com/office/powerpoint/2010/main" val="297631287"/>
+        <p14:creationId xmlns:p14="http://schemas.microsoft.com/office/powerpoint/2010/main" val="1898113035"/>
       </p:ext>
     </p:extLst>
   </p:cSld>
@@ -2159,7 +2159,7 @@
           <p:cNvPr id="2" name="标题 1">
             <a:extLst>
               <a:ext uri="{FF2B5EF4-FFF2-40B4-BE49-F238E27FC236}">
-                <a16:creationId xmlns:a16="http://schemas.microsoft.com/office/drawing/2014/main" id="{7271724F-1452-050F-40AA-0EA41616ACE5}"/>
+                <a16:creationId xmlns:a16="http://schemas.microsoft.com/office/drawing/2014/main" id="{C0D2F8C7-49B9-60A9-7AC2-14CEFB92A319}"/>
               </a:ext>
             </a:extLst>
           </p:cNvPr>
@@ -2196,7 +2196,7 @@
           <p:cNvPr id="3" name="内容占位符 2">
             <a:extLst>
               <a:ext uri="{FF2B5EF4-FFF2-40B4-BE49-F238E27FC236}">
-                <a16:creationId xmlns:a16="http://schemas.microsoft.com/office/drawing/2014/main" id="{A69E5754-CF2D-A91E-3948-1AA297B1DF4D}"/>
+                <a16:creationId xmlns:a16="http://schemas.microsoft.com/office/drawing/2014/main" id="{6C21BFC6-975F-DF8F-89A6-0A8EA05FC542}"/>
               </a:ext>
             </a:extLst>
           </p:cNvPr>
@@ -2286,7 +2286,7 @@
           <p:cNvPr id="4" name="文本占位符 3">
             <a:extLst>
               <a:ext uri="{FF2B5EF4-FFF2-40B4-BE49-F238E27FC236}">
-                <a16:creationId xmlns:a16="http://schemas.microsoft.com/office/drawing/2014/main" id="{B406342A-2A0E-F553-9ABD-D3ABA6C86A77}"/>
+                <a16:creationId xmlns:a16="http://schemas.microsoft.com/office/drawing/2014/main" id="{350388AB-3EE7-E5ED-2846-990B185868C3}"/>
               </a:ext>
             </a:extLst>
           </p:cNvPr>
@@ -2357,7 +2357,7 @@
           <p:cNvPr id="5" name="日期占位符 4">
             <a:extLst>
               <a:ext uri="{FF2B5EF4-FFF2-40B4-BE49-F238E27FC236}">
-                <a16:creationId xmlns:a16="http://schemas.microsoft.com/office/drawing/2014/main" id="{1AF36161-13DB-C7D8-3F03-A182C19FC2F4}"/>
+                <a16:creationId xmlns:a16="http://schemas.microsoft.com/office/drawing/2014/main" id="{B917EE49-F140-0EA8-ADE5-3F37154BD1EE}"/>
               </a:ext>
             </a:extLst>
           </p:cNvPr>
@@ -2373,7 +2373,7 @@
           <a:bodyPr/>
           <a:lstStyle/>
           <a:p>
-            <a:fld id="{6FAAAAAF-A1E6-4FF8-8627-C522B73485BD}" type="datetimeFigureOut">
+            <a:fld id="{43DCC5EB-394C-4D2C-85F5-8114C40FC086}" type="datetimeFigureOut">
               <a:rPr lang="zh-CN" altLang="en-US" smtClean="0"/>
               <a:t>2024/3/10</a:t>
             </a:fld>
@@ -2386,7 +2386,7 @@
           <p:cNvPr id="6" name="页脚占位符 5">
             <a:extLst>
               <a:ext uri="{FF2B5EF4-FFF2-40B4-BE49-F238E27FC236}">
-                <a16:creationId xmlns:a16="http://schemas.microsoft.com/office/drawing/2014/main" id="{4C00288A-2C0B-7671-8934-A0342FC46AE4}"/>
+                <a16:creationId xmlns:a16="http://schemas.microsoft.com/office/drawing/2014/main" id="{06B78D02-35BC-F8CA-0980-4D245C2D1CFB}"/>
               </a:ext>
             </a:extLst>
           </p:cNvPr>
@@ -2411,7 +2411,7 @@
           <p:cNvPr id="7" name="灯片编号占位符 6">
             <a:extLst>
               <a:ext uri="{FF2B5EF4-FFF2-40B4-BE49-F238E27FC236}">
-                <a16:creationId xmlns:a16="http://schemas.microsoft.com/office/drawing/2014/main" id="{C29A4D02-05E3-8F7C-3D27-ADB6B779619A}"/>
+                <a16:creationId xmlns:a16="http://schemas.microsoft.com/office/drawing/2014/main" id="{FCC58F73-A3FB-D117-C08F-E878FC51E2D2}"/>
               </a:ext>
             </a:extLst>
           </p:cNvPr>
@@ -2427,7 +2427,7 @@
           <a:bodyPr/>
           <a:lstStyle/>
           <a:p>
-            <a:fld id="{9F0E5601-E2A7-4CA2-9B7B-F8FB3DF8860D}" type="slidenum">
+            <a:fld id="{BB9E34D9-80FC-4AD9-BD59-05A97070BE52}" type="slidenum">
               <a:rPr lang="zh-CN" altLang="en-US" smtClean="0"/>
               <a:t>‹#›</a:t>
             </a:fld>
@@ -2438,7 +2438,7 @@
     </p:spTree>
     <p:extLst>
       <p:ext uri="{BB962C8B-B14F-4D97-AF65-F5344CB8AC3E}">
-        <p14:creationId xmlns:p14="http://schemas.microsoft.com/office/powerpoint/2010/main" val="3321015403"/>
+        <p14:creationId xmlns:p14="http://schemas.microsoft.com/office/powerpoint/2010/main" val="4081814997"/>
       </p:ext>
     </p:extLst>
   </p:cSld>
@@ -2470,7 +2470,7 @@
           <p:cNvPr id="2" name="标题 1">
             <a:extLst>
               <a:ext uri="{FF2B5EF4-FFF2-40B4-BE49-F238E27FC236}">
-                <a16:creationId xmlns:a16="http://schemas.microsoft.com/office/drawing/2014/main" id="{F46D101D-30D1-2FFF-6C39-4C2CE7A62220}"/>
+                <a16:creationId xmlns:a16="http://schemas.microsoft.com/office/drawing/2014/main" id="{BAB949CC-E0CF-8D1A-A5AF-B387E880FEEB}"/>
               </a:ext>
             </a:extLst>
           </p:cNvPr>
@@ -2507,7 +2507,7 @@
           <p:cNvPr id="3" name="图片占位符 2">
             <a:extLst>
               <a:ext uri="{FF2B5EF4-FFF2-40B4-BE49-F238E27FC236}">
-                <a16:creationId xmlns:a16="http://schemas.microsoft.com/office/drawing/2014/main" id="{DD024FFD-A484-E5EC-BC0A-0D55A47B6942}"/>
+                <a16:creationId xmlns:a16="http://schemas.microsoft.com/office/drawing/2014/main" id="{8E271234-3C39-18CF-C63C-2CE22F668169}"/>
               </a:ext>
             </a:extLst>
           </p:cNvPr>
@@ -2574,7 +2574,7 @@
           <p:cNvPr id="4" name="文本占位符 3">
             <a:extLst>
               <a:ext uri="{FF2B5EF4-FFF2-40B4-BE49-F238E27FC236}">
-                <a16:creationId xmlns:a16="http://schemas.microsoft.com/office/drawing/2014/main" id="{AAD33935-192F-0276-ADDD-41BD9BDFB999}"/>
+                <a16:creationId xmlns:a16="http://schemas.microsoft.com/office/drawing/2014/main" id="{401173DF-024B-812E-E868-6307D4D3E8E1}"/>
               </a:ext>
             </a:extLst>
           </p:cNvPr>
@@ -2645,7 +2645,7 @@
           <p:cNvPr id="5" name="日期占位符 4">
             <a:extLst>
               <a:ext uri="{FF2B5EF4-FFF2-40B4-BE49-F238E27FC236}">
-                <a16:creationId xmlns:a16="http://schemas.microsoft.com/office/drawing/2014/main" id="{7C68B7A9-911A-7890-9B69-811AC7C2A0F7}"/>
+                <a16:creationId xmlns:a16="http://schemas.microsoft.com/office/drawing/2014/main" id="{F4C4A000-44ED-0A78-95C1-DD25F2FFF5DC}"/>
               </a:ext>
             </a:extLst>
           </p:cNvPr>
@@ -2661,7 +2661,7 @@
           <a:bodyPr/>
           <a:lstStyle/>
           <a:p>
-            <a:fld id="{6FAAAAAF-A1E6-4FF8-8627-C522B73485BD}" type="datetimeFigureOut">
+            <a:fld id="{43DCC5EB-394C-4D2C-85F5-8114C40FC086}" type="datetimeFigureOut">
               <a:rPr lang="zh-CN" altLang="en-US" smtClean="0"/>
               <a:t>2024/3/10</a:t>
             </a:fld>
@@ -2674,7 +2674,7 @@
           <p:cNvPr id="6" name="页脚占位符 5">
             <a:extLst>
               <a:ext uri="{FF2B5EF4-FFF2-40B4-BE49-F238E27FC236}">
-                <a16:creationId xmlns:a16="http://schemas.microsoft.com/office/drawing/2014/main" id="{7BD958BD-5709-7BC2-8E03-D7A981DFC823}"/>
+                <a16:creationId xmlns:a16="http://schemas.microsoft.com/office/drawing/2014/main" id="{80897ED3-77DF-DFF5-6B33-81C16432BC5F}"/>
               </a:ext>
             </a:extLst>
           </p:cNvPr>
@@ -2699,7 +2699,7 @@
           <p:cNvPr id="7" name="灯片编号占位符 6">
             <a:extLst>
               <a:ext uri="{FF2B5EF4-FFF2-40B4-BE49-F238E27FC236}">
-                <a16:creationId xmlns:a16="http://schemas.microsoft.com/office/drawing/2014/main" id="{8073A0C6-878F-45B8-881D-FAE78F2B7BFE}"/>
+                <a16:creationId xmlns:a16="http://schemas.microsoft.com/office/drawing/2014/main" id="{BA59A48F-1E80-C2C3-2849-E8D63C85BCB3}"/>
               </a:ext>
             </a:extLst>
           </p:cNvPr>
@@ -2715,7 +2715,7 @@
           <a:bodyPr/>
           <a:lstStyle/>
           <a:p>
-            <a:fld id="{9F0E5601-E2A7-4CA2-9B7B-F8FB3DF8860D}" type="slidenum">
+            <a:fld id="{BB9E34D9-80FC-4AD9-BD59-05A97070BE52}" type="slidenum">
               <a:rPr lang="zh-CN" altLang="en-US" smtClean="0"/>
               <a:t>‹#›</a:t>
             </a:fld>
@@ -2726,7 +2726,7 @@
     </p:spTree>
     <p:extLst>
       <p:ext uri="{BB962C8B-B14F-4D97-AF65-F5344CB8AC3E}">
-        <p14:creationId xmlns:p14="http://schemas.microsoft.com/office/powerpoint/2010/main" val="1515459589"/>
+        <p14:creationId xmlns:p14="http://schemas.microsoft.com/office/powerpoint/2010/main" val="2381017652"/>
       </p:ext>
     </p:extLst>
   </p:cSld>
@@ -2763,7 +2763,7 @@
           <p:cNvPr id="2" name="标题占位符 1">
             <a:extLst>
               <a:ext uri="{FF2B5EF4-FFF2-40B4-BE49-F238E27FC236}">
-                <a16:creationId xmlns:a16="http://schemas.microsoft.com/office/drawing/2014/main" id="{3AE1C48B-8242-593F-CA62-68CFB580C0DE}"/>
+                <a16:creationId xmlns:a16="http://schemas.microsoft.com/office/drawing/2014/main" id="{0E5DE3A2-F707-8C33-62C0-F77C8C2604AB}"/>
               </a:ext>
             </a:extLst>
           </p:cNvPr>
@@ -2801,7 +2801,7 @@
           <p:cNvPr id="3" name="文本占位符 2">
             <a:extLst>
               <a:ext uri="{FF2B5EF4-FFF2-40B4-BE49-F238E27FC236}">
-                <a16:creationId xmlns:a16="http://schemas.microsoft.com/office/drawing/2014/main" id="{0A0872FF-1465-2B94-F23E-2C319F77800F}"/>
+                <a16:creationId xmlns:a16="http://schemas.microsoft.com/office/drawing/2014/main" id="{E3244702-EACF-E9F0-2884-528ED589FC76}"/>
               </a:ext>
             </a:extLst>
           </p:cNvPr>
@@ -2868,7 +2868,7 @@
           <p:cNvPr id="4" name="日期占位符 3">
             <a:extLst>
               <a:ext uri="{FF2B5EF4-FFF2-40B4-BE49-F238E27FC236}">
-                <a16:creationId xmlns:a16="http://schemas.microsoft.com/office/drawing/2014/main" id="{44E8C207-FCB6-F852-D656-919B69B2A4A4}"/>
+                <a16:creationId xmlns:a16="http://schemas.microsoft.com/office/drawing/2014/main" id="{AAB1A2BD-6AFA-08F1-4B6F-2CCB401CF098}"/>
               </a:ext>
             </a:extLst>
           </p:cNvPr>
@@ -2902,7 +2902,7 @@
             </a:lvl1pPr>
           </a:lstStyle>
           <a:p>
-            <a:fld id="{6FAAAAAF-A1E6-4FF8-8627-C522B73485BD}" type="datetimeFigureOut">
+            <a:fld id="{43DCC5EB-394C-4D2C-85F5-8114C40FC086}" type="datetimeFigureOut">
               <a:rPr lang="zh-CN" altLang="en-US" smtClean="0"/>
               <a:t>2024/3/10</a:t>
             </a:fld>
@@ -2915,7 +2915,7 @@
           <p:cNvPr id="5" name="页脚占位符 4">
             <a:extLst>
               <a:ext uri="{FF2B5EF4-FFF2-40B4-BE49-F238E27FC236}">
-                <a16:creationId xmlns:a16="http://schemas.microsoft.com/office/drawing/2014/main" id="{7A48F352-797C-44D4-4E03-3925775C15AB}"/>
+                <a16:creationId xmlns:a16="http://schemas.microsoft.com/office/drawing/2014/main" id="{B9186B44-0EB0-6E88-0CE6-884D151E86D9}"/>
               </a:ext>
             </a:extLst>
           </p:cNvPr>
@@ -2958,7 +2958,7 @@
           <p:cNvPr id="6" name="灯片编号占位符 5">
             <a:extLst>
               <a:ext uri="{FF2B5EF4-FFF2-40B4-BE49-F238E27FC236}">
-                <a16:creationId xmlns:a16="http://schemas.microsoft.com/office/drawing/2014/main" id="{5F50650C-2AF9-1DCA-D857-EF5BBC4226AC}"/>
+                <a16:creationId xmlns:a16="http://schemas.microsoft.com/office/drawing/2014/main" id="{7DC9E5B3-EFDD-2DCE-07F5-6FABAEE67E26}"/>
               </a:ext>
             </a:extLst>
           </p:cNvPr>
@@ -2992,7 +2992,7 @@
             </a:lvl1pPr>
           </a:lstStyle>
           <a:p>
-            <a:fld id="{9F0E5601-E2A7-4CA2-9B7B-F8FB3DF8860D}" type="slidenum">
+            <a:fld id="{BB9E34D9-80FC-4AD9-BD59-05A97070BE52}" type="slidenum">
               <a:rPr lang="zh-CN" altLang="en-US" smtClean="0"/>
               <a:t>‹#›</a:t>
             </a:fld>
@@ -3003,7 +3003,7 @@
     </p:spTree>
     <p:extLst>
       <p:ext uri="{BB962C8B-B14F-4D97-AF65-F5344CB8AC3E}">
-        <p14:creationId xmlns:p14="http://schemas.microsoft.com/office/powerpoint/2010/main" val="2431783531"/>
+        <p14:creationId xmlns:p14="http://schemas.microsoft.com/office/powerpoint/2010/main" val="4212284211"/>
       </p:ext>
     </p:extLst>
   </p:cSld>
